--- a/Приложение Chorded — копия.pptx
+++ b/Приложение Chorded — копия.pptx
@@ -4816,6 +4816,10 @@
           </p:nvPr>
         </p:nvSpPr>
         <p:spPr bwMode="auto">
+          <a:xfrm>
+            <a:off x="521208" y="2784634"/>
+            <a:ext cx="5315418" cy="2031325"/>
+          </a:xfrm>
           <a:prstGeom prst="rect">
             <a:avLst/>
           </a:prstGeom>
@@ -4854,7 +4858,7 @@
           </a:extLst>
         </p:spPr>
         <p:txBody>
-          <a:bodyPr vert="horz" wrap="none" lIns="91440" tIns="45720" rIns="91440" bIns="45720" numCol="1" anchor="ctr" anchorCtr="0" compatLnSpc="1">
+          <a:bodyPr vert="horz" wrap="square" lIns="91440" tIns="45720" rIns="91440" bIns="45720" numCol="1" anchor="ctr" anchorCtr="0" compatLnSpc="1">
             <a:prstTxWarp prst="textNoShape">
               <a:avLst/>
             </a:prstTxWarp>
@@ -4879,7 +4883,7 @@
               <a:tabLst/>
             </a:pPr>
             <a:r>
-              <a:rPr kumimoji="0" lang="ru-RU" altLang="ru-RU" sz="1800" b="0" i="0" u="none" strike="noStrike" cap="none" normalizeH="0" baseline="0">
+              <a:rPr kumimoji="0" lang="ru-RU" altLang="ru-RU" sz="1800" b="0" i="0" u="none" strike="noStrike" cap="none" normalizeH="0" baseline="0" dirty="0">
                 <a:ln>
                   <a:noFill/>
                 </a:ln>
@@ -4910,7 +4914,7 @@
               <a:tabLst/>
             </a:pPr>
             <a:r>
-              <a:rPr kumimoji="0" lang="ru-RU" altLang="ru-RU" sz="1800" b="0" i="0" u="none" strike="noStrike" cap="none" normalizeH="0" baseline="0">
+              <a:rPr kumimoji="0" lang="ru-RU" altLang="ru-RU" sz="1800" b="0" i="0" u="none" strike="noStrike" cap="none" normalizeH="0" baseline="0" dirty="0">
                 <a:ln>
                   <a:noFill/>
                 </a:ln>
@@ -4941,7 +4945,7 @@
               <a:tabLst/>
             </a:pPr>
             <a:r>
-              <a:rPr kumimoji="0" lang="ru-RU" altLang="ru-RU" sz="1800" b="0" i="0" u="none" strike="noStrike" cap="none" normalizeH="0" baseline="0">
+              <a:rPr kumimoji="0" lang="ru-RU" altLang="ru-RU" sz="1800" b="0" i="0" u="none" strike="noStrike" cap="none" normalizeH="0" baseline="0" dirty="0">
                 <a:ln>
                   <a:noFill/>
                 </a:ln>
@@ -4972,7 +4976,7 @@
               <a:tabLst/>
             </a:pPr>
             <a:r>
-              <a:rPr kumimoji="0" lang="ru-RU" altLang="ru-RU" sz="1800" b="0" i="0" u="none" strike="noStrike" cap="none" normalizeH="0" baseline="0">
+              <a:rPr kumimoji="0" lang="ru-RU" altLang="ru-RU" sz="1800" b="0" i="0" u="none" strike="noStrike" cap="none" normalizeH="0" baseline="0" dirty="0">
                 <a:ln>
                   <a:noFill/>
                 </a:ln>
@@ -5003,7 +5007,7 @@
               <a:tabLst/>
             </a:pPr>
             <a:r>
-              <a:rPr kumimoji="0" lang="ru-RU" altLang="ru-RU" sz="1800" b="0" i="0" u="none" strike="noStrike" cap="none" normalizeH="0" baseline="0">
+              <a:rPr kumimoji="0" lang="ru-RU" altLang="ru-RU" sz="1800" b="0" i="0" u="none" strike="noStrike" cap="none" normalizeH="0" baseline="0" dirty="0">
                 <a:ln>
                   <a:noFill/>
                 </a:ln>
@@ -5034,7 +5038,7 @@
               <a:tabLst/>
             </a:pPr>
             <a:r>
-              <a:rPr kumimoji="0" lang="ru-RU" altLang="ru-RU" sz="1800" b="0" i="0" u="none" strike="noStrike" cap="none" normalizeH="0" baseline="0">
+              <a:rPr kumimoji="0" lang="ru-RU" altLang="ru-RU" sz="1800" b="0" i="0" u="none" strike="noStrike" cap="none" normalizeH="0" baseline="0" dirty="0">
                 <a:ln>
                   <a:noFill/>
                 </a:ln>
@@ -5065,7 +5069,7 @@
               <a:tabLst/>
             </a:pPr>
             <a:r>
-              <a:rPr kumimoji="0" lang="ru-RU" altLang="ru-RU" sz="1800" b="0" i="0" u="none" strike="noStrike" cap="none" normalizeH="0" baseline="0">
+              <a:rPr kumimoji="0" lang="ru-RU" altLang="ru-RU" sz="1800" b="0" i="0" u="none" strike="noStrike" cap="none" normalizeH="0" baseline="0" dirty="0">
                 <a:ln>
                   <a:noFill/>
                 </a:ln>
@@ -5080,6 +5084,53 @@
           </a:p>
         </p:txBody>
       </p:sp>
+      <p:pic>
+        <p:nvPicPr>
+          <p:cNvPr id="4098" name="Picture 2" descr="Легкоатлет Усэйн Болт намерен завершить карьеру в 2017 году – Москва 24,  03.08.2014">
+            <a:extLst>
+              <a:ext uri="{FF2B5EF4-FFF2-40B4-BE49-F238E27FC236}">
+                <a16:creationId xmlns:a16="http://schemas.microsoft.com/office/drawing/2014/main" id="{33DC8505-E8AB-C98F-1F2A-DBA165F965E4}"/>
+              </a:ext>
+            </a:extLst>
+          </p:cNvPr>
+          <p:cNvPicPr>
+            <a:picLocks noChangeAspect="1" noChangeArrowheads="1"/>
+          </p:cNvPicPr>
+          <p:nvPr/>
+        </p:nvPicPr>
+        <p:blipFill>
+          <a:blip r:embed="rId2">
+            <a:extLst>
+              <a:ext uri="{28A0092B-C50C-407E-A947-70E740481C1C}">
+                <a14:useLocalDpi xmlns:a14="http://schemas.microsoft.com/office/drawing/2010/main" val="0"/>
+              </a:ext>
+            </a:extLst>
+          </a:blip>
+          <a:srcRect/>
+          <a:stretch>
+            <a:fillRect/>
+          </a:stretch>
+        </p:blipFill>
+        <p:spPr bwMode="auto">
+          <a:xfrm>
+            <a:off x="6634432" y="2441448"/>
+            <a:ext cx="5176568" cy="2717698"/>
+          </a:xfrm>
+          <a:prstGeom prst="rect">
+            <a:avLst/>
+          </a:prstGeom>
+          <a:noFill/>
+          <a:extLst>
+            <a:ext uri="{909E8E84-426E-40DD-AFC4-6F175D3DCCD1}">
+              <a14:hiddenFill xmlns:a14="http://schemas.microsoft.com/office/drawing/2010/main">
+                <a:solidFill>
+                  <a:srgbClr val="FFFFFF"/>
+                </a:solidFill>
+              </a14:hiddenFill>
+            </a:ext>
+          </a:extLst>
+        </p:spPr>
+      </p:pic>
     </p:spTree>
     <p:extLst>
       <p:ext uri="{BB962C8B-B14F-4D97-AF65-F5344CB8AC3E}">
@@ -5830,6 +5881,36 @@
           </a:p>
         </p:txBody>
       </p:sp>
+      <p:pic>
+        <p:nvPicPr>
+          <p:cNvPr id="5" name="Рисунок 4" descr="Изображение выглядит как текст, снимок экрана, мультимедиа, программное обеспечение&#10;&#10;Содержимое, созданное искусственным интеллектом, может быть неверным.">
+            <a:extLst>
+              <a:ext uri="{FF2B5EF4-FFF2-40B4-BE49-F238E27FC236}">
+                <a16:creationId xmlns:a16="http://schemas.microsoft.com/office/drawing/2014/main" id="{B283155F-77A4-0217-34CE-821CE52EB7A7}"/>
+              </a:ext>
+            </a:extLst>
+          </p:cNvPr>
+          <p:cNvPicPr>
+            <a:picLocks noChangeAspect="1"/>
+          </p:cNvPicPr>
+          <p:nvPr/>
+        </p:nvPicPr>
+        <p:blipFill>
+          <a:blip r:embed="rId2"/>
+          <a:stretch>
+            <a:fillRect/>
+          </a:stretch>
+        </p:blipFill>
+        <p:spPr>
+          <a:xfrm>
+            <a:off x="7974575" y="1103431"/>
+            <a:ext cx="2359128" cy="5242505"/>
+          </a:xfrm>
+          <a:prstGeom prst="rect">
+            <a:avLst/>
+          </a:prstGeom>
+        </p:spPr>
+      </p:pic>
     </p:spTree>
     <p:extLst>
       <p:ext uri="{BB962C8B-B14F-4D97-AF65-F5344CB8AC3E}">
@@ -5962,6 +6043,36 @@
           </a:p>
         </p:txBody>
       </p:sp>
+      <p:pic>
+        <p:nvPicPr>
+          <p:cNvPr id="5" name="Рисунок 4" descr="Изображение выглядит как текст, снимок экрана, Шрифт, дизайн&#10;&#10;Содержимое, созданное искусственным интеллектом, может быть неверным.">
+            <a:extLst>
+              <a:ext uri="{FF2B5EF4-FFF2-40B4-BE49-F238E27FC236}">
+                <a16:creationId xmlns:a16="http://schemas.microsoft.com/office/drawing/2014/main" id="{1D2FE96B-AF35-1D86-40E2-2269273A3318}"/>
+              </a:ext>
+            </a:extLst>
+          </p:cNvPr>
+          <p:cNvPicPr>
+            <a:picLocks noChangeAspect="1"/>
+          </p:cNvPicPr>
+          <p:nvPr/>
+        </p:nvPicPr>
+        <p:blipFill>
+          <a:blip r:embed="rId2"/>
+          <a:stretch>
+            <a:fillRect/>
+          </a:stretch>
+        </p:blipFill>
+        <p:spPr>
+          <a:xfrm>
+            <a:off x="7620613" y="978408"/>
+            <a:ext cx="2477115" cy="5504701"/>
+          </a:xfrm>
+          <a:prstGeom prst="rect">
+            <a:avLst/>
+          </a:prstGeom>
+        </p:spPr>
+      </p:pic>
     </p:spTree>
     <p:extLst>
       <p:ext uri="{BB962C8B-B14F-4D97-AF65-F5344CB8AC3E}">
@@ -7146,8 +7257,8 @@
         </p:nvSpPr>
         <p:spPr bwMode="auto">
           <a:xfrm>
-            <a:off x="515112" y="2354729"/>
-            <a:ext cx="6617529" cy="2739211"/>
+            <a:off x="603603" y="2247006"/>
+            <a:ext cx="4371520" cy="2954655"/>
           </a:xfrm>
           <a:prstGeom prst="rect">
             <a:avLst/>
@@ -7485,6 +7596,53 @@
           </a:p>
         </p:txBody>
       </p:sp>
+      <p:pic>
+        <p:nvPicPr>
+          <p:cNvPr id="1028" name="Picture 4" descr="Как играть баррэ на гитаре — SAMESOUND">
+            <a:extLst>
+              <a:ext uri="{FF2B5EF4-FFF2-40B4-BE49-F238E27FC236}">
+                <a16:creationId xmlns:a16="http://schemas.microsoft.com/office/drawing/2014/main" id="{A50F7784-7430-A13F-A578-42E7D627A984}"/>
+              </a:ext>
+            </a:extLst>
+          </p:cNvPr>
+          <p:cNvPicPr>
+            <a:picLocks noChangeAspect="1" noChangeArrowheads="1"/>
+          </p:cNvPicPr>
+          <p:nvPr/>
+        </p:nvPicPr>
+        <p:blipFill>
+          <a:blip r:embed="rId2">
+            <a:extLst>
+              <a:ext uri="{28A0092B-C50C-407E-A947-70E740481C1C}">
+                <a14:useLocalDpi xmlns:a14="http://schemas.microsoft.com/office/drawing/2010/main" val="0"/>
+              </a:ext>
+            </a:extLst>
+          </a:blip>
+          <a:srcRect/>
+          <a:stretch>
+            <a:fillRect/>
+          </a:stretch>
+        </p:blipFill>
+        <p:spPr bwMode="auto">
+          <a:xfrm>
+            <a:off x="6399316" y="2593573"/>
+            <a:ext cx="5277571" cy="2261522"/>
+          </a:xfrm>
+          <a:prstGeom prst="rect">
+            <a:avLst/>
+          </a:prstGeom>
+          <a:noFill/>
+          <a:extLst>
+            <a:ext uri="{909E8E84-426E-40DD-AFC4-6F175D3DCCD1}">
+              <a14:hiddenFill xmlns:a14="http://schemas.microsoft.com/office/drawing/2010/main">
+                <a:solidFill>
+                  <a:srgbClr val="FFFFFF"/>
+                </a:solidFill>
+              </a14:hiddenFill>
+            </a:ext>
+          </a:extLst>
+        </p:spPr>
+      </p:pic>
     </p:spTree>
     <p:extLst>
       <p:ext uri="{BB962C8B-B14F-4D97-AF65-F5344CB8AC3E}">
@@ -7930,6 +8088,53 @@
           </a:p>
         </p:txBody>
       </p:sp>
+      <p:pic>
+        <p:nvPicPr>
+          <p:cNvPr id="2050" name="Picture 2" descr="Ван Хален, Эдди — Википедия">
+            <a:extLst>
+              <a:ext uri="{FF2B5EF4-FFF2-40B4-BE49-F238E27FC236}">
+                <a16:creationId xmlns:a16="http://schemas.microsoft.com/office/drawing/2014/main" id="{165D1B20-F5FE-054B-EBCA-BA06852EA85C}"/>
+              </a:ext>
+            </a:extLst>
+          </p:cNvPr>
+          <p:cNvPicPr>
+            <a:picLocks noChangeAspect="1" noChangeArrowheads="1"/>
+          </p:cNvPicPr>
+          <p:nvPr/>
+        </p:nvPicPr>
+        <p:blipFill>
+          <a:blip r:embed="rId2">
+            <a:extLst>
+              <a:ext uri="{28A0092B-C50C-407E-A947-70E740481C1C}">
+                <a14:useLocalDpi xmlns:a14="http://schemas.microsoft.com/office/drawing/2010/main" val="0"/>
+              </a:ext>
+            </a:extLst>
+          </a:blip>
+          <a:srcRect/>
+          <a:stretch>
+            <a:fillRect/>
+          </a:stretch>
+        </p:blipFill>
+        <p:spPr bwMode="auto">
+          <a:xfrm>
+            <a:off x="1645827" y="1034242"/>
+            <a:ext cx="3053992" cy="4506702"/>
+          </a:xfrm>
+          <a:prstGeom prst="rect">
+            <a:avLst/>
+          </a:prstGeom>
+          <a:noFill/>
+          <a:extLst>
+            <a:ext uri="{909E8E84-426E-40DD-AFC4-6F175D3DCCD1}">
+              <a14:hiddenFill xmlns:a14="http://schemas.microsoft.com/office/drawing/2010/main">
+                <a:solidFill>
+                  <a:srgbClr val="FFFFFF"/>
+                </a:solidFill>
+              </a14:hiddenFill>
+            </a:ext>
+          </a:extLst>
+        </p:spPr>
+      </p:pic>
     </p:spTree>
     <p:extLst>
       <p:ext uri="{BB962C8B-B14F-4D97-AF65-F5344CB8AC3E}">
@@ -8090,6 +8295,53 @@
           </a:p>
         </p:txBody>
       </p:sp>
+      <p:pic>
+        <p:nvPicPr>
+          <p:cNvPr id="3074" name="Picture 2" descr="150 миллионов градусов Цельсия: крупнейший в мире ядерный реактор получил  магнитное ядро массой 3000 тонн">
+            <a:extLst>
+              <a:ext uri="{FF2B5EF4-FFF2-40B4-BE49-F238E27FC236}">
+                <a16:creationId xmlns:a16="http://schemas.microsoft.com/office/drawing/2014/main" id="{09C37C2E-82F2-B358-BBD2-6063F49D5E69}"/>
+              </a:ext>
+            </a:extLst>
+          </p:cNvPr>
+          <p:cNvPicPr>
+            <a:picLocks noChangeAspect="1" noChangeArrowheads="1"/>
+          </p:cNvPicPr>
+          <p:nvPr/>
+        </p:nvPicPr>
+        <p:blipFill>
+          <a:blip r:embed="rId2">
+            <a:extLst>
+              <a:ext uri="{28A0092B-C50C-407E-A947-70E740481C1C}">
+                <a14:useLocalDpi xmlns:a14="http://schemas.microsoft.com/office/drawing/2010/main" val="0"/>
+              </a:ext>
+            </a:extLst>
+          </a:blip>
+          <a:srcRect/>
+          <a:stretch>
+            <a:fillRect/>
+          </a:stretch>
+        </p:blipFill>
+        <p:spPr bwMode="auto">
+          <a:xfrm>
+            <a:off x="6222130" y="2250702"/>
+            <a:ext cx="4701509" cy="3089078"/>
+          </a:xfrm>
+          <a:prstGeom prst="rect">
+            <a:avLst/>
+          </a:prstGeom>
+          <a:noFill/>
+          <a:extLst>
+            <a:ext uri="{909E8E84-426E-40DD-AFC4-6F175D3DCCD1}">
+              <a14:hiddenFill xmlns:a14="http://schemas.microsoft.com/office/drawing/2010/main">
+                <a:solidFill>
+                  <a:srgbClr val="FFFFFF"/>
+                </a:solidFill>
+              </a14:hiddenFill>
+            </a:ext>
+          </a:extLst>
+        </p:spPr>
+      </p:pic>
     </p:spTree>
     <p:extLst>
       <p:ext uri="{BB962C8B-B14F-4D97-AF65-F5344CB8AC3E}">
@@ -8164,7 +8416,12 @@
             <p:ph idx="1"/>
           </p:nvPr>
         </p:nvSpPr>
-        <p:spPr/>
+        <p:spPr>
+          <a:xfrm>
+            <a:off x="521208" y="2578608"/>
+            <a:ext cx="4375257" cy="3767328"/>
+          </a:xfrm>
+        </p:spPr>
         <p:txBody>
           <a:bodyPr/>
           <a:lstStyle/>
@@ -8227,6 +8484,36 @@
           </a:p>
         </p:txBody>
       </p:sp>
+      <p:pic>
+        <p:nvPicPr>
+          <p:cNvPr id="5" name="Рисунок 4" descr="Изображение выглядит как текст, снимок экрана, программное обеспечение&#10;&#10;Содержимое, созданное искусственным интеллектом, может быть неверным.">
+            <a:extLst>
+              <a:ext uri="{FF2B5EF4-FFF2-40B4-BE49-F238E27FC236}">
+                <a16:creationId xmlns:a16="http://schemas.microsoft.com/office/drawing/2014/main" id="{41BDE434-85FB-3308-156E-0AB9EC3282AB}"/>
+              </a:ext>
+            </a:extLst>
+          </p:cNvPr>
+          <p:cNvPicPr>
+            <a:picLocks noChangeAspect="1"/>
+          </p:cNvPicPr>
+          <p:nvPr/>
+        </p:nvPicPr>
+        <p:blipFill>
+          <a:blip r:embed="rId2"/>
+          <a:stretch>
+            <a:fillRect/>
+          </a:stretch>
+        </p:blipFill>
+        <p:spPr>
+          <a:xfrm>
+            <a:off x="6096000" y="2303275"/>
+            <a:ext cx="5485068" cy="2969420"/>
+          </a:xfrm>
+          <a:prstGeom prst="rect">
+            <a:avLst/>
+          </a:prstGeom>
+        </p:spPr>
+      </p:pic>
     </p:spTree>
     <p:extLst>
       <p:ext uri="{BB962C8B-B14F-4D97-AF65-F5344CB8AC3E}">
